--- a/翻转课堂2.pptx
+++ b/翻转课堂2.pptx
@@ -5,7 +5,7 @@
     <p:sldMasterId id="2147483648" r:id="rId1"/>
   </p:sldMasterIdLst>
   <p:notesMasterIdLst>
-    <p:notesMasterId r:id="rId49"/>
+    <p:notesMasterId r:id="rId50"/>
   </p:notesMasterIdLst>
   <p:sldIdLst>
     <p:sldId id="289" r:id="rId2"/>
@@ -54,12 +54,13 @@
     <p:sldId id="331" r:id="rId45"/>
     <p:sldId id="304" r:id="rId46"/>
     <p:sldId id="305" r:id="rId47"/>
-    <p:sldId id="298" r:id="rId48"/>
+    <p:sldId id="337" r:id="rId48"/>
+    <p:sldId id="298" r:id="rId49"/>
   </p:sldIdLst>
   <p:sldSz cx="12192000" cy="6858000"/>
   <p:notesSz cx="6858000" cy="9144000"/>
   <p:custDataLst>
-    <p:tags r:id="rId50"/>
+    <p:tags r:id="rId51"/>
   </p:custDataLst>
   <p:defaultTextStyle>
     <a:defPPr>
@@ -4167,6 +4168,90 @@
             <a:spLocks noGrp="1"/>
           </p:cNvSpPr>
           <p:nvPr>
+            <p:ph type="sldNum" sz="quarter" idx="5"/>
+          </p:nvPr>
+        </p:nvSpPr>
+        <p:spPr/>
+        <p:txBody>
+          <a:bodyPr/>
+          <a:lstStyle/>
+          <a:p>
+            <a:fld id="{B307B8CC-CD7D-4D4E-A59D-DE6DE4293CAA}" type="slidenum">
+              <a:rPr lang="zh-CN" altLang="en-US" smtClean="0"/>
+              <a:t>47</a:t>
+            </a:fld>
+            <a:endParaRPr lang="zh-CN" altLang="en-US"/>
+          </a:p>
+        </p:txBody>
+      </p:sp>
+    </p:spTree>
+    <p:extLst>
+      <p:ext uri="{BB962C8B-B14F-4D97-AF65-F5344CB8AC3E}">
+        <p14:creationId xmlns:p14="http://schemas.microsoft.com/office/powerpoint/2010/main" val="798746666"/>
+      </p:ext>
+    </p:extLst>
+  </p:cSld>
+  <p:clrMapOvr>
+    <a:masterClrMapping/>
+  </p:clrMapOvr>
+</p:notes>
+</file>
+
+<file path=ppt/notesSlides/notesSlide48.xml><?xml version="1.0" encoding="utf-8"?>
+<p:notes xmlns:a="http://schemas.openxmlformats.org/drawingml/2006/main" xmlns:r="http://schemas.openxmlformats.org/officeDocument/2006/relationships" xmlns:p="http://schemas.openxmlformats.org/presentationml/2006/main">
+  <p:cSld>
+    <p:spTree>
+      <p:nvGrpSpPr>
+        <p:cNvPr id="1" name=""/>
+        <p:cNvGrpSpPr/>
+        <p:nvPr/>
+      </p:nvGrpSpPr>
+      <p:grpSpPr>
+        <a:xfrm>
+          <a:off x="0" y="0"/>
+          <a:ext cx="0" cy="0"/>
+          <a:chOff x="0" y="0"/>
+          <a:chExt cx="0" cy="0"/>
+        </a:xfrm>
+      </p:grpSpPr>
+      <p:sp>
+        <p:nvSpPr>
+          <p:cNvPr id="2" name="幻灯片图像占位符 1"/>
+          <p:cNvSpPr>
+            <a:spLocks noGrp="1" noRot="1" noChangeAspect="1"/>
+          </p:cNvSpPr>
+          <p:nvPr>
+            <p:ph type="sldImg"/>
+          </p:nvPr>
+        </p:nvSpPr>
+        <p:spPr/>
+      </p:sp>
+      <p:sp>
+        <p:nvSpPr>
+          <p:cNvPr id="3" name="备注占位符 2"/>
+          <p:cNvSpPr>
+            <a:spLocks noGrp="1"/>
+          </p:cNvSpPr>
+          <p:nvPr>
+            <p:ph type="body" idx="1"/>
+          </p:nvPr>
+        </p:nvSpPr>
+        <p:spPr/>
+        <p:txBody>
+          <a:bodyPr/>
+          <a:lstStyle/>
+          <a:p>
+            <a:endParaRPr lang="zh-CN" altLang="en-US"/>
+          </a:p>
+        </p:txBody>
+      </p:sp>
+      <p:sp>
+        <p:nvSpPr>
+          <p:cNvPr id="4" name="灯片编号占位符 3"/>
+          <p:cNvSpPr>
+            <a:spLocks noGrp="1"/>
+          </p:cNvSpPr>
+          <p:nvPr>
             <p:ph type="sldNum" sz="quarter" idx="10"/>
           </p:nvPr>
         </p:nvSpPr>
@@ -4177,7 +4262,7 @@
           <a:p>
             <a:fld id="{B307B8CC-CD7D-4D4E-A59D-DE6DE4293CAA}" type="slidenum">
               <a:rPr lang="zh-CN" altLang="en-US" smtClean="0"/>
-              <a:t>47</a:t>
+              <a:t>48</a:t>
             </a:fld>
             <a:endParaRPr lang="zh-CN" altLang="en-US"/>
           </a:p>
@@ -47849,6 +47934,335 @@
           <a:chExt cx="0" cy="0"/>
         </a:xfrm>
       </p:grpSpPr>
+      <p:sp>
+        <p:nvSpPr>
+          <p:cNvPr id="33" name="文本框 32"/>
+          <p:cNvSpPr txBox="1"/>
+          <p:nvPr/>
+        </p:nvSpPr>
+        <p:spPr>
+          <a:xfrm>
+            <a:off x="1283234" y="214158"/>
+            <a:ext cx="2178424" cy="461665"/>
+          </a:xfrm>
+          <a:prstGeom prst="rect">
+            <a:avLst/>
+          </a:prstGeom>
+          <a:noFill/>
+        </p:spPr>
+        <p:txBody>
+          <a:bodyPr wrap="square" rtlCol="0">
+            <a:spAutoFit/>
+          </a:bodyPr>
+          <a:lstStyle>
+            <a:defPPr>
+              <a:defRPr lang="zh-CN"/>
+            </a:defPPr>
+            <a:lvl1pPr>
+              <a:defRPr sz="2400" b="1">
+                <a:solidFill>
+                  <a:srgbClr val="267CA0"/>
+                </a:solidFill>
+                <a:latin typeface="包图粗黑体" panose="02000800000000000000" pitchFamily="2" charset="-122"/>
+                <a:ea typeface="包图粗黑体" panose="02000800000000000000" pitchFamily="2" charset="-122"/>
+              </a:defRPr>
+            </a:lvl1pPr>
+          </a:lstStyle>
+          <a:p>
+            <a:pPr algn="dist"/>
+            <a:r>
+              <a:rPr lang="zh-CN" altLang="en-US" b="0" dirty="0">
+                <a:latin typeface="站酷庆科黄油体" panose="02000803000000020004" pitchFamily="2" charset="-122"/>
+                <a:ea typeface="站酷庆科黄油体" panose="02000803000000020004" pitchFamily="2" charset="-122"/>
+                <a:cs typeface="+mn-ea"/>
+                <a:sym typeface="+mn-lt"/>
+              </a:rPr>
+              <a:t>小组分工</a:t>
+            </a:r>
+          </a:p>
+        </p:txBody>
+      </p:sp>
+      <p:sp>
+        <p:nvSpPr>
+          <p:cNvPr id="36" name="文本框 35"/>
+          <p:cNvSpPr txBox="1"/>
+          <p:nvPr/>
+        </p:nvSpPr>
+        <p:spPr>
+          <a:xfrm>
+            <a:off x="539626" y="-71384"/>
+            <a:ext cx="635110" cy="1015663"/>
+          </a:xfrm>
+          <a:prstGeom prst="rect">
+            <a:avLst/>
+          </a:prstGeom>
+          <a:noFill/>
+        </p:spPr>
+        <p:txBody>
+          <a:bodyPr wrap="none" rtlCol="0">
+            <a:spAutoFit/>
+          </a:bodyPr>
+          <a:lstStyle/>
+          <a:p>
+            <a:r>
+              <a:rPr lang="en-US" altLang="zh-CN" sz="6000" dirty="0">
+                <a:solidFill>
+                  <a:srgbClr val="388BA5"/>
+                </a:solidFill>
+                <a:latin typeface="优设标题黑" panose="00000500000000000000" pitchFamily="2" charset="-122"/>
+                <a:ea typeface="优设标题黑" panose="00000500000000000000" pitchFamily="2" charset="-122"/>
+              </a:rPr>
+              <a:t>8</a:t>
+            </a:r>
+            <a:endParaRPr lang="zh-CN" altLang="en-US" sz="6000" dirty="0">
+              <a:solidFill>
+                <a:srgbClr val="388BA5"/>
+              </a:solidFill>
+              <a:latin typeface="优设标题黑" panose="00000500000000000000" pitchFamily="2" charset="-122"/>
+              <a:ea typeface="优设标题黑" panose="00000500000000000000" pitchFamily="2" charset="-122"/>
+            </a:endParaRPr>
+          </a:p>
+        </p:txBody>
+      </p:sp>
+      <p:sp>
+        <p:nvSpPr>
+          <p:cNvPr id="30" name="文本框 29">
+            <a:extLst>
+              <a:ext uri="{FF2B5EF4-FFF2-40B4-BE49-F238E27FC236}">
+                <a16:creationId xmlns:a16="http://schemas.microsoft.com/office/drawing/2014/main" id="{B08787FB-05E3-41FC-9253-A65604753BAE}"/>
+              </a:ext>
+            </a:extLst>
+          </p:cNvPr>
+          <p:cNvSpPr txBox="1"/>
+          <p:nvPr/>
+        </p:nvSpPr>
+        <p:spPr>
+          <a:xfrm>
+            <a:off x="901415" y="2494864"/>
+            <a:ext cx="10269193" cy="1299266"/>
+          </a:xfrm>
+          <a:prstGeom prst="rect">
+            <a:avLst/>
+          </a:prstGeom>
+          <a:noFill/>
+        </p:spPr>
+        <p:txBody>
+          <a:bodyPr wrap="square" rtlCol="0">
+            <a:spAutoFit/>
+          </a:bodyPr>
+          <a:lstStyle/>
+          <a:p>
+            <a:pPr marL="171450" indent="-171450">
+              <a:lnSpc>
+                <a:spcPct val="150000"/>
+              </a:lnSpc>
+              <a:buFont typeface="Arial" panose="020B0604020202020204" pitchFamily="34" charset="0"/>
+              <a:buChar char="•"/>
+            </a:pPr>
+            <a:r>
+              <a:rPr lang="zh-CN" altLang="en-US" b="1" spc="100" dirty="0">
+                <a:solidFill>
+                  <a:srgbClr val="388BA5"/>
+                </a:solidFill>
+                <a:latin typeface="华文宋体" panose="02010600040101010101" pitchFamily="2" charset="-122"/>
+                <a:ea typeface="华文宋体" panose="02010600040101010101" pitchFamily="2" charset="-122"/>
+                <a:cs typeface="+mn-ea"/>
+                <a:sym typeface="+mn-lt"/>
+              </a:rPr>
+              <a:t>吴联想：资料收集、本组样例和知识点结合</a:t>
+            </a:r>
+            <a:r>
+              <a:rPr lang="en-US" altLang="zh-CN" b="1" spc="100" dirty="0">
+                <a:solidFill>
+                  <a:srgbClr val="388BA5"/>
+                </a:solidFill>
+                <a:latin typeface="华文宋体" panose="02010600040101010101" pitchFamily="2" charset="-122"/>
+                <a:ea typeface="华文宋体" panose="02010600040101010101" pitchFamily="2" charset="-122"/>
+                <a:cs typeface="+mn-ea"/>
+                <a:sym typeface="+mn-lt"/>
+              </a:rPr>
+              <a:t>	85</a:t>
+            </a:r>
+            <a:r>
+              <a:rPr lang="zh-CN" altLang="en-US" b="1" spc="100" dirty="0">
+                <a:solidFill>
+                  <a:srgbClr val="388BA5"/>
+                </a:solidFill>
+                <a:latin typeface="华文宋体" panose="02010600040101010101" pitchFamily="2" charset="-122"/>
+                <a:ea typeface="华文宋体" panose="02010600040101010101" pitchFamily="2" charset="-122"/>
+                <a:cs typeface="+mn-ea"/>
+                <a:sym typeface="+mn-lt"/>
+              </a:rPr>
+              <a:t>分</a:t>
+            </a:r>
+            <a:endParaRPr lang="en-US" altLang="zh-CN" b="1" spc="100" dirty="0">
+              <a:solidFill>
+                <a:srgbClr val="388BA5"/>
+              </a:solidFill>
+              <a:latin typeface="华文宋体" panose="02010600040101010101" pitchFamily="2" charset="-122"/>
+              <a:ea typeface="华文宋体" panose="02010600040101010101" pitchFamily="2" charset="-122"/>
+              <a:cs typeface="+mn-ea"/>
+              <a:sym typeface="+mn-lt"/>
+            </a:endParaRPr>
+          </a:p>
+          <a:p>
+            <a:pPr marL="171450" indent="-171450">
+              <a:lnSpc>
+                <a:spcPct val="150000"/>
+              </a:lnSpc>
+              <a:buFont typeface="Arial" panose="020B0604020202020204" pitchFamily="34" charset="0"/>
+              <a:buChar char="•"/>
+            </a:pPr>
+            <a:r>
+              <a:rPr lang="zh-CN" altLang="en-US" b="1" spc="100" dirty="0">
+                <a:solidFill>
+                  <a:srgbClr val="388BA5"/>
+                </a:solidFill>
+                <a:latin typeface="华文宋体" panose="02010600040101010101" pitchFamily="2" charset="-122"/>
+                <a:ea typeface="华文宋体" panose="02010600040101010101" pitchFamily="2" charset="-122"/>
+                <a:cs typeface="+mn-ea"/>
+                <a:sym typeface="+mn-lt"/>
+              </a:rPr>
+              <a:t>郑航舰：资料收集</a:t>
+            </a:r>
+            <a:r>
+              <a:rPr lang="en-US" altLang="zh-CN" b="1" spc="100" dirty="0">
+                <a:solidFill>
+                  <a:srgbClr val="388BA5"/>
+                </a:solidFill>
+                <a:latin typeface="华文宋体" panose="02010600040101010101" pitchFamily="2" charset="-122"/>
+                <a:ea typeface="华文宋体" panose="02010600040101010101" pitchFamily="2" charset="-122"/>
+                <a:cs typeface="+mn-ea"/>
+                <a:sym typeface="+mn-lt"/>
+              </a:rPr>
+              <a:t>	80</a:t>
+            </a:r>
+            <a:r>
+              <a:rPr lang="zh-CN" altLang="en-US" b="1" spc="100" dirty="0">
+                <a:solidFill>
+                  <a:srgbClr val="388BA5"/>
+                </a:solidFill>
+                <a:latin typeface="华文宋体" panose="02010600040101010101" pitchFamily="2" charset="-122"/>
+                <a:ea typeface="华文宋体" panose="02010600040101010101" pitchFamily="2" charset="-122"/>
+                <a:cs typeface="+mn-ea"/>
+                <a:sym typeface="+mn-lt"/>
+              </a:rPr>
+              <a:t>分</a:t>
+            </a:r>
+            <a:endParaRPr lang="en-US" altLang="zh-CN" b="1" spc="100" dirty="0">
+              <a:solidFill>
+                <a:srgbClr val="388BA5"/>
+              </a:solidFill>
+              <a:latin typeface="华文宋体" panose="02010600040101010101" pitchFamily="2" charset="-122"/>
+              <a:ea typeface="华文宋体" panose="02010600040101010101" pitchFamily="2" charset="-122"/>
+              <a:cs typeface="+mn-ea"/>
+              <a:sym typeface="+mn-lt"/>
+            </a:endParaRPr>
+          </a:p>
+          <a:p>
+            <a:pPr marL="171450" indent="-171450">
+              <a:lnSpc>
+                <a:spcPct val="150000"/>
+              </a:lnSpc>
+              <a:buFont typeface="Arial" panose="020B0604020202020204" pitchFamily="34" charset="0"/>
+              <a:buChar char="•"/>
+            </a:pPr>
+            <a:r>
+              <a:rPr lang="zh-CN" altLang="en-US" b="1" spc="100" dirty="0">
+                <a:solidFill>
+                  <a:srgbClr val="388BA5"/>
+                </a:solidFill>
+                <a:latin typeface="华文宋体" panose="02010600040101010101" pitchFamily="2" charset="-122"/>
+                <a:ea typeface="华文宋体" panose="02010600040101010101" pitchFamily="2" charset="-122"/>
+                <a:cs typeface="+mn-ea"/>
+                <a:sym typeface="+mn-lt"/>
+              </a:rPr>
+              <a:t>王义博：</a:t>
+            </a:r>
+            <a:r>
+              <a:rPr lang="en-US" altLang="zh-CN" b="1" spc="100" dirty="0">
+                <a:solidFill>
+                  <a:srgbClr val="388BA5"/>
+                </a:solidFill>
+                <a:latin typeface="华文宋体" panose="02010600040101010101" pitchFamily="2" charset="-122"/>
+                <a:ea typeface="华文宋体" panose="02010600040101010101" pitchFamily="2" charset="-122"/>
+                <a:cs typeface="+mn-ea"/>
+                <a:sym typeface="+mn-lt"/>
+              </a:rPr>
+              <a:t>PPT</a:t>
+            </a:r>
+            <a:r>
+              <a:rPr lang="zh-CN" altLang="en-US" b="1" spc="100" dirty="0">
+                <a:solidFill>
+                  <a:srgbClr val="388BA5"/>
+                </a:solidFill>
+                <a:latin typeface="华文宋体" panose="02010600040101010101" pitchFamily="2" charset="-122"/>
+                <a:ea typeface="华文宋体" panose="02010600040101010101" pitchFamily="2" charset="-122"/>
+                <a:cs typeface="+mn-ea"/>
+                <a:sym typeface="+mn-lt"/>
+              </a:rPr>
+              <a:t>制作</a:t>
+            </a:r>
+            <a:r>
+              <a:rPr lang="en-US" altLang="zh-CN" b="1" spc="100" dirty="0">
+                <a:solidFill>
+                  <a:srgbClr val="388BA5"/>
+                </a:solidFill>
+                <a:latin typeface="华文宋体" panose="02010600040101010101" pitchFamily="2" charset="-122"/>
+                <a:ea typeface="华文宋体" panose="02010600040101010101" pitchFamily="2" charset="-122"/>
+                <a:cs typeface="+mn-ea"/>
+                <a:sym typeface="+mn-lt"/>
+              </a:rPr>
+              <a:t>	88</a:t>
+            </a:r>
+            <a:r>
+              <a:rPr lang="zh-CN" altLang="en-US" b="1" spc="100" dirty="0">
+                <a:solidFill>
+                  <a:srgbClr val="388BA5"/>
+                </a:solidFill>
+                <a:latin typeface="华文宋体" panose="02010600040101010101" pitchFamily="2" charset="-122"/>
+                <a:ea typeface="华文宋体" panose="02010600040101010101" pitchFamily="2" charset="-122"/>
+                <a:cs typeface="+mn-ea"/>
+                <a:sym typeface="+mn-lt"/>
+              </a:rPr>
+              <a:t>分</a:t>
+            </a:r>
+          </a:p>
+        </p:txBody>
+      </p:sp>
+    </p:spTree>
+    <p:extLst>
+      <p:ext uri="{BB962C8B-B14F-4D97-AF65-F5344CB8AC3E}">
+        <p14:creationId xmlns:p14="http://schemas.microsoft.com/office/powerpoint/2010/main" val="2232950593"/>
+      </p:ext>
+    </p:extLst>
+  </p:cSld>
+  <p:clrMapOvr>
+    <a:masterClrMapping/>
+  </p:clrMapOvr>
+  <p:transition spd="slow">
+    <p:push/>
+  </p:transition>
+</p:sld>
+</file>
+
+<file path=ppt/slides/slide48.xml><?xml version="1.0" encoding="utf-8"?>
+<p:sld xmlns:a="http://schemas.openxmlformats.org/drawingml/2006/main" xmlns:r="http://schemas.openxmlformats.org/officeDocument/2006/relationships" xmlns:p="http://schemas.openxmlformats.org/presentationml/2006/main">
+  <p:cSld>
+    <p:spTree>
+      <p:nvGrpSpPr>
+        <p:cNvPr id="1" name=""/>
+        <p:cNvGrpSpPr/>
+        <p:nvPr/>
+      </p:nvGrpSpPr>
+      <p:grpSpPr>
+        <a:xfrm>
+          <a:off x="0" y="0"/>
+          <a:ext cx="0" cy="0"/>
+          <a:chOff x="0" y="0"/>
+          <a:chExt cx="0" cy="0"/>
+        </a:xfrm>
+      </p:grpSpPr>
       <p:pic>
         <p:nvPicPr>
           <p:cNvPr id="9" name="图片 8"/>
